--- a/GiT.pptx
+++ b/GiT.pptx
@@ -12237,7 +12237,15 @@
             </a:pPr>
             <a:r>
               <a:rPr lang="en-US" dirty="0"/>
-              <a:t> keeps track of every modification to </a:t>
+              <a:t> </a:t>
+            </a:r>
+            <a:r>
+              <a:rPr lang="en-US" dirty="0" smtClean="0"/>
+              <a:t>Keeps </a:t>
+            </a:r>
+            <a:r>
+              <a:rPr lang="en-US" dirty="0"/>
+              <a:t>track of every modification to </a:t>
             </a:r>
             <a:r>
               <a:rPr lang="en-US" dirty="0" smtClean="0"/>
@@ -13291,7 +13299,11 @@
           <a:bodyPr/>
           <a:lstStyle/>
           <a:p>
-            <a:endParaRPr lang="en-US"/>
+            <a:r>
+              <a:rPr lang="en-US" dirty="0" smtClean="0"/>
+              <a:t>States</a:t>
+            </a:r>
+            <a:endParaRPr lang="en-US" dirty="0"/>
           </a:p>
         </p:txBody>
       </p:sp>
@@ -13365,15 +13377,7 @@
             </a:pPr>
             <a:r>
               <a:rPr lang="en-US" dirty="0" smtClean="0"/>
-              <a:t> </a:t>
-            </a:r>
-            <a:r>
-              <a:rPr lang="en-US" dirty="0" smtClean="0"/>
-              <a:t>Staged means that you have marked a modified file in its current version to go into your next commit snapshot, Modified means that you have changed the file but have not committed it to your database yet. </a:t>
-            </a:r>
-            <a:r>
-              <a:rPr lang="en-US" dirty="0" smtClean="0"/>
-              <a:t>Committed </a:t>
+              <a:t> Staged means that you have marked a modified file in its current version to go into your next commit snapshot, Modified means that you have changed the file but have not committed it to your database yet. Committed </a:t>
             </a:r>
             <a:r>
               <a:rPr lang="en-US" dirty="0"/>
@@ -13492,12 +13496,12 @@
               <a:buNone/>
             </a:pPr>
             <a:r>
-              <a:rPr lang="en-US" dirty="0"/>
-              <a:t>	</a:t>
-            </a:r>
-            <a:r>
               <a:rPr lang="en-US" dirty="0" smtClean="0"/>
-              <a:t>Create 	Commit 	Merge	Delete</a:t>
+              <a:t>Create </a:t>
+            </a:r>
+            <a:r>
+              <a:rPr lang="en-US" dirty="0" smtClean="0"/>
+              <a:t>	Commit 	Merge	Delete</a:t>
             </a:r>
             <a:endParaRPr lang="en-US" dirty="0"/>
           </a:p>

--- a/GiT.pptx
+++ b/GiT.pptx
@@ -5,7 +5,7 @@
     <p:sldMasterId id="2147483660" r:id="rId1"/>
   </p:sldMasterIdLst>
   <p:notesMasterIdLst>
-    <p:notesMasterId r:id="rId22"/>
+    <p:notesMasterId r:id="rId23"/>
   </p:notesMasterIdLst>
   <p:sldIdLst>
     <p:sldId id="256" r:id="rId2"/>
@@ -28,6 +28,7 @@
     <p:sldId id="273" r:id="rId19"/>
     <p:sldId id="274" r:id="rId20"/>
     <p:sldId id="275" r:id="rId21"/>
+    <p:sldId id="276" r:id="rId22"/>
   </p:sldIdLst>
   <p:sldSz cx="9144000" cy="6858000" type="screen4x3"/>
   <p:notesSz cx="6858000" cy="9144000"/>
@@ -13089,6 +13090,235 @@
       </p:par>
     </p:tnLst>
   </p:timing>
+</p:sld>
+</file>
+
+<file path=ppt/slides/slide21.xml><?xml version="1.0" encoding="utf-8"?>
+<p:sld xmlns:a="http://schemas.openxmlformats.org/drawingml/2006/main" xmlns:r="http://schemas.openxmlformats.org/officeDocument/2006/relationships" xmlns:p="http://schemas.openxmlformats.org/presentationml/2006/main">
+  <p:cSld>
+    <p:spTree>
+      <p:nvGrpSpPr>
+        <p:cNvPr id="1" name=""/>
+        <p:cNvGrpSpPr/>
+        <p:nvPr/>
+      </p:nvGrpSpPr>
+      <p:grpSpPr>
+        <a:xfrm>
+          <a:off x="0" y="0"/>
+          <a:ext cx="0" cy="0"/>
+          <a:chOff x="0" y="0"/>
+          <a:chExt cx="0" cy="0"/>
+        </a:xfrm>
+      </p:grpSpPr>
+      <p:sp>
+        <p:nvSpPr>
+          <p:cNvPr id="2" name="Title 1"/>
+          <p:cNvSpPr>
+            <a:spLocks noGrp="1"/>
+          </p:cNvSpPr>
+          <p:nvPr>
+            <p:ph type="title"/>
+          </p:nvPr>
+        </p:nvSpPr>
+        <p:spPr/>
+        <p:txBody>
+          <a:bodyPr/>
+          <a:lstStyle/>
+          <a:p>
+            <a:r>
+              <a:rPr lang="en-US" dirty="0" smtClean="0"/>
+              <a:t>Merge Vs</a:t>
+            </a:r>
+            <a:br>
+              <a:rPr lang="en-US" dirty="0" smtClean="0"/>
+            </a:br>
+            <a:r>
+              <a:rPr lang="en-US" dirty="0" smtClean="0"/>
+              <a:t>Rebase</a:t>
+            </a:r>
+            <a:endParaRPr lang="en-US" dirty="0"/>
+          </a:p>
+        </p:txBody>
+      </p:sp>
+      <p:sp>
+        <p:nvSpPr>
+          <p:cNvPr id="3" name="Content Placeholder 2"/>
+          <p:cNvSpPr>
+            <a:spLocks noGrp="1"/>
+          </p:cNvSpPr>
+          <p:nvPr>
+            <p:ph sz="quarter" idx="13"/>
+          </p:nvPr>
+        </p:nvSpPr>
+        <p:spPr/>
+        <p:txBody>
+          <a:bodyPr>
+            <a:normAutofit fontScale="92500" lnSpcReduction="20000"/>
+          </a:bodyPr>
+          <a:lstStyle/>
+          <a:p>
+            <a:pPr marL="0" indent="0">
+              <a:buNone/>
+            </a:pPr>
+            <a:r>
+              <a:rPr lang="en-US" i="0" dirty="0"/>
+              <a:t>To incorporate the new commits into your </a:t>
+            </a:r>
+            <a:r>
+              <a:rPr lang="en-US" dirty="0"/>
+              <a:t>feature</a:t>
+            </a:r>
+            <a:r>
+              <a:rPr lang="en-US" i="0" dirty="0"/>
+              <a:t> branch, you have two options: merging or rebasing</a:t>
+            </a:r>
+            <a:r>
+              <a:rPr lang="en-US" i="0" dirty="0" smtClean="0"/>
+              <a:t>.</a:t>
+            </a:r>
+          </a:p>
+          <a:p>
+            <a:pPr marL="0" indent="0">
+              <a:buNone/>
+            </a:pPr>
+            <a:endParaRPr lang="en-US" i="0" dirty="0"/>
+          </a:p>
+          <a:p>
+            <a:pPr marL="0" indent="0">
+              <a:buNone/>
+            </a:pPr>
+            <a:r>
+              <a:rPr lang="en-US" i="0" dirty="0" smtClean="0"/>
+              <a:t>Merging:  </a:t>
+            </a:r>
+          </a:p>
+          <a:p>
+            <a:pPr marL="0" indent="0">
+              <a:buNone/>
+            </a:pPr>
+            <a:r>
+              <a:rPr lang="en-US" i="0" dirty="0" err="1" smtClean="0"/>
+              <a:t>git</a:t>
+            </a:r>
+            <a:r>
+              <a:rPr lang="en-US" i="0" dirty="0" smtClean="0"/>
+              <a:t> </a:t>
+            </a:r>
+            <a:r>
+              <a:rPr lang="en-US" i="0" dirty="0"/>
+              <a:t>checkout feature </a:t>
+            </a:r>
+            <a:endParaRPr lang="en-US" i="0" dirty="0" smtClean="0"/>
+          </a:p>
+          <a:p>
+            <a:pPr marL="0" indent="0">
+              <a:buNone/>
+            </a:pPr>
+            <a:r>
+              <a:rPr lang="en-US" i="0" dirty="0" err="1" smtClean="0"/>
+              <a:t>git</a:t>
+            </a:r>
+            <a:r>
+              <a:rPr lang="en-US" i="0" dirty="0" smtClean="0"/>
+              <a:t> </a:t>
+            </a:r>
+            <a:r>
+              <a:rPr lang="en-US" i="0" dirty="0"/>
+              <a:t>merge </a:t>
+            </a:r>
+            <a:r>
+              <a:rPr lang="en-US" i="0" dirty="0" smtClean="0"/>
+              <a:t>master</a:t>
+            </a:r>
+          </a:p>
+          <a:p>
+            <a:pPr marL="0" indent="0">
+              <a:buNone/>
+            </a:pPr>
+            <a:endParaRPr lang="en-US" i="0" dirty="0"/>
+          </a:p>
+          <a:p>
+            <a:pPr marL="0" indent="0">
+              <a:buNone/>
+            </a:pPr>
+            <a:r>
+              <a:rPr lang="en-US" i="0" dirty="0" smtClean="0"/>
+              <a:t>Rebase: </a:t>
+            </a:r>
+          </a:p>
+          <a:p>
+            <a:pPr marL="0" indent="0">
+              <a:buNone/>
+            </a:pPr>
+            <a:r>
+              <a:rPr lang="en-US" i="0" dirty="0" err="1"/>
+              <a:t>git</a:t>
+            </a:r>
+            <a:r>
+              <a:rPr lang="en-US" i="0" dirty="0"/>
+              <a:t> checkout feature </a:t>
+            </a:r>
+            <a:endParaRPr lang="en-US" i="0" dirty="0" smtClean="0"/>
+          </a:p>
+          <a:p>
+            <a:pPr marL="0" indent="0">
+              <a:buNone/>
+            </a:pPr>
+            <a:r>
+              <a:rPr lang="en-US" i="0" dirty="0" err="1" smtClean="0"/>
+              <a:t>git</a:t>
+            </a:r>
+            <a:r>
+              <a:rPr lang="en-US" i="0" dirty="0" smtClean="0"/>
+              <a:t> </a:t>
+            </a:r>
+            <a:r>
+              <a:rPr lang="en-US" i="0" dirty="0"/>
+              <a:t>rebase </a:t>
+            </a:r>
+            <a:r>
+              <a:rPr lang="en-US" i="0" dirty="0" smtClean="0"/>
+              <a:t>master</a:t>
+            </a:r>
+          </a:p>
+          <a:p>
+            <a:pPr marL="0" indent="0">
+              <a:buNone/>
+            </a:pPr>
+            <a:r>
+              <a:rPr lang="en-US" i="0"/>
+              <a:t>I</a:t>
+            </a:r>
+            <a:r>
+              <a:rPr lang="en-US" i="0" smtClean="0"/>
+              <a:t>nstead </a:t>
+            </a:r>
+            <a:r>
+              <a:rPr lang="en-US" i="0" dirty="0"/>
+              <a:t>of using a merge commit, rebasing </a:t>
+            </a:r>
+            <a:r>
+              <a:rPr lang="en-US" dirty="0"/>
+              <a:t>re-writes</a:t>
+            </a:r>
+            <a:r>
+              <a:rPr lang="en-US" i="0" dirty="0"/>
+              <a:t> the project history by creating brand new commits for each commit in the original branch.</a:t>
+            </a:r>
+            <a:endParaRPr lang="en-US" dirty="0"/>
+          </a:p>
+        </p:txBody>
+      </p:sp>
+    </p:spTree>
+    <p:extLst>
+      <p:ext uri="{BB962C8B-B14F-4D97-AF65-F5344CB8AC3E}">
+        <p14:creationId xmlns:p14="http://schemas.microsoft.com/office/powerpoint/2010/main" val="1457643740"/>
+      </p:ext>
+    </p:extLst>
+  </p:cSld>
+  <p:clrMapOvr>
+    <a:masterClrMapping/>
+  </p:clrMapOvr>
 </p:sld>
 </file>
 
